--- a/二进制/二进制.pptx
+++ b/二进制/二进制.pptx
@@ -12,19 +12,22 @@
     <p:sldId id="267" r:id="rId7"/>
     <p:sldId id="268" r:id="rId8"/>
     <p:sldId id="262" r:id="rId9"/>
-    <p:sldId id="269" r:id="rId10"/>
-    <p:sldId id="270" r:id="rId11"/>
-    <p:sldId id="263" r:id="rId12"/>
-    <p:sldId id="264" r:id="rId13"/>
-    <p:sldId id="271" r:id="rId14"/>
-    <p:sldId id="272" r:id="rId15"/>
-    <p:sldId id="265" r:id="rId16"/>
-    <p:sldId id="273" r:id="rId17"/>
-    <p:sldId id="275" r:id="rId18"/>
-    <p:sldId id="274" r:id="rId19"/>
-    <p:sldId id="276" r:id="rId20"/>
-    <p:sldId id="277" r:id="rId21"/>
-    <p:sldId id="278" r:id="rId22"/>
+    <p:sldId id="284" r:id="rId10"/>
+    <p:sldId id="269" r:id="rId11"/>
+    <p:sldId id="283" r:id="rId12"/>
+    <p:sldId id="270" r:id="rId13"/>
+    <p:sldId id="263" r:id="rId14"/>
+    <p:sldId id="264" r:id="rId15"/>
+    <p:sldId id="271" r:id="rId16"/>
+    <p:sldId id="272" r:id="rId17"/>
+    <p:sldId id="265" r:id="rId18"/>
+    <p:sldId id="285" r:id="rId19"/>
+    <p:sldId id="273" r:id="rId20"/>
+    <p:sldId id="275" r:id="rId21"/>
+    <p:sldId id="274" r:id="rId22"/>
+    <p:sldId id="276" r:id="rId23"/>
+    <p:sldId id="277" r:id="rId24"/>
+    <p:sldId id="278" r:id="rId25"/>
   </p:sldIdLst>
   <p:sldSz cx="12192000" cy="6858000"/>
   <p:notesSz cx="6858000" cy="9144000"/>
@@ -2988,14 +2991,14 @@
           <a:bodyPr/>
           <a:p>
             <a:r>
-              <a:t>Object URL</a:t>
+              <a:t>Base64</a:t>
             </a:r>
           </a:p>
         </p:txBody>
       </p:sp>
       <p:pic>
         <p:nvPicPr>
-          <p:cNvPr id="4" name="图片 3"/>
+          <p:cNvPr id="7" name="图片 6"/>
           <p:cNvPicPr>
             <a:picLocks noChangeAspect="1"/>
           </p:cNvPicPr>
@@ -3009,56 +3012,8 @@
         </p:blipFill>
         <p:spPr>
           <a:xfrm>
-            <a:off x="757555" y="2512060"/>
-            <a:ext cx="5487670" cy="2071370"/>
-          </a:xfrm>
-          <a:prstGeom prst="rect">
-            <a:avLst/>
-          </a:prstGeom>
-        </p:spPr>
-      </p:pic>
-      <p:pic>
-        <p:nvPicPr>
-          <p:cNvPr id="6" name="图片 5"/>
-          <p:cNvPicPr>
-            <a:picLocks noChangeAspect="1"/>
-          </p:cNvPicPr>
-          <p:nvPr/>
-        </p:nvPicPr>
-        <p:blipFill>
-          <a:blip r:embed="rId2"/>
-          <a:stretch>
-            <a:fillRect/>
-          </a:stretch>
-        </p:blipFill>
-        <p:spPr>
-          <a:xfrm>
-            <a:off x="3314065" y="5351780"/>
-            <a:ext cx="5561330" cy="566420"/>
-          </a:xfrm>
-          <a:prstGeom prst="rect">
-            <a:avLst/>
-          </a:prstGeom>
-        </p:spPr>
-      </p:pic>
-      <p:pic>
-        <p:nvPicPr>
-          <p:cNvPr id="7" name="图片 6"/>
-          <p:cNvPicPr>
-            <a:picLocks noChangeAspect="1"/>
-          </p:cNvPicPr>
-          <p:nvPr/>
-        </p:nvPicPr>
-        <p:blipFill>
-          <a:blip r:embed="rId3"/>
-          <a:stretch>
-            <a:fillRect/>
-          </a:stretch>
-        </p:blipFill>
-        <p:spPr>
-          <a:xfrm>
-            <a:off x="6423660" y="2512060"/>
-            <a:ext cx="5079365" cy="2070735"/>
+            <a:off x="1377950" y="1628775"/>
+            <a:ext cx="9436100" cy="5036185"/>
           </a:xfrm>
           <a:prstGeom prst="rect">
             <a:avLst/>
@@ -3098,45 +3053,21 @@
           <a:bodyPr/>
           <a:p>
             <a:r>
-              <a:t>Blob</a:t>
-            </a:r>
-          </a:p>
-        </p:txBody>
-      </p:sp>
-      <p:pic>
-        <p:nvPicPr>
-          <p:cNvPr id="4" name="图片 3"/>
-          <p:cNvPicPr>
-            <a:picLocks noChangeAspect="1"/>
-          </p:cNvPicPr>
-          <p:nvPr/>
-        </p:nvPicPr>
-        <p:blipFill>
-          <a:blip r:embed="rId1"/>
-          <a:stretch>
-            <a:fillRect/>
-          </a:stretch>
-        </p:blipFill>
-        <p:spPr>
-          <a:xfrm>
-            <a:off x="838200" y="2826385"/>
-            <a:ext cx="1657350" cy="447675"/>
-          </a:xfrm>
-          <a:prstGeom prst="rect">
-            <a:avLst/>
-          </a:prstGeom>
-        </p:spPr>
-      </p:pic>
-      <p:sp>
-        <p:nvSpPr>
-          <p:cNvPr id="5" name="文本框 4"/>
+              <a:t>Base64</a:t>
+            </a:r>
+          </a:p>
+        </p:txBody>
+      </p:sp>
+      <p:sp>
+        <p:nvSpPr>
+          <p:cNvPr id="4" name="文本框 3"/>
           <p:cNvSpPr txBox="1"/>
           <p:nvPr/>
         </p:nvSpPr>
         <p:spPr>
           <a:xfrm>
-            <a:off x="838200" y="4153535"/>
-            <a:ext cx="10407650" cy="645160"/>
+            <a:off x="1460500" y="1973580"/>
+            <a:ext cx="2540000" cy="368300"/>
           </a:xfrm>
           <a:prstGeom prst="rect">
             <a:avLst/>
@@ -3150,29 +3081,22 @@
           <a:p>
             <a:r>
               <a:rPr lang="zh-CN" altLang="en-US"/>
-              <a:t>通过 URL.createObjectURL 生成「URL → Blob」 的映射。</a:t>
-            </a:r>
-            <a:endParaRPr lang="zh-CN" altLang="en-US"/>
-          </a:p>
-          <a:p>
-            <a:r>
-              <a:rPr lang="zh-CN" altLang="en-US"/>
-              <a:t>仅在当前文档打开的状态下才有效，否则 404</a:t>
-            </a:r>
-            <a:endParaRPr lang="zh-CN" altLang="en-US"/>
-          </a:p>
-        </p:txBody>
-      </p:sp>
-      <p:sp>
-        <p:nvSpPr>
-          <p:cNvPr id="6" name="文本框 5"/>
+              <a:t>base64编解码</a:t>
+            </a:r>
+            <a:endParaRPr lang="zh-CN" altLang="en-US"/>
+          </a:p>
+        </p:txBody>
+      </p:sp>
+      <p:sp>
+        <p:nvSpPr>
+          <p:cNvPr id="5" name="文本框 4"/>
           <p:cNvSpPr txBox="1"/>
           <p:nvPr/>
         </p:nvSpPr>
         <p:spPr>
           <a:xfrm>
-            <a:off x="838200" y="5382260"/>
-            <a:ext cx="10407650" cy="645160"/>
+            <a:off x="1460500" y="3448050"/>
+            <a:ext cx="9236075" cy="645160"/>
           </a:xfrm>
           <a:prstGeom prst="rect">
             <a:avLst/>
@@ -3186,57 +3110,48 @@
           <a:p>
             <a:r>
               <a:rPr lang="zh-CN" altLang="en-US"/>
-              <a:t>如果文档未关闭，该映射将一直驻留在内存中，导致</a:t>
+              <a:t>btoa()：编码，</a:t>
             </a:r>
             <a:r>
               <a:rPr lang="en-US" altLang="zh-CN"/>
-              <a:t>Blob</a:t>
+              <a:t>B</a:t>
             </a:r>
             <a:r>
               <a:rPr lang="zh-CN" altLang="en-US"/>
-              <a:t>对象未被释放</a:t>
-            </a:r>
-            <a:endParaRPr lang="zh-CN" altLang="en-US"/>
-          </a:p>
-          <a:p>
+              <a:t>inary </a:t>
+            </a:r>
+            <a:r>
+              <a:rPr lang="en-US" altLang="zh-CN"/>
+              <a:t>To </a:t>
+            </a:r>
             <a:r>
               <a:rPr lang="zh-CN" altLang="en-US"/>
-              <a:t>可以通过URL.revokeObjectURL(url)撤销映射</a:t>
-            </a:r>
-            <a:endParaRPr lang="zh-CN" altLang="en-US"/>
-          </a:p>
-        </p:txBody>
-      </p:sp>
-      <p:sp>
-        <p:nvSpPr>
-          <p:cNvPr id="7" name="文本框 6"/>
-          <p:cNvSpPr txBox="1"/>
-          <p:nvPr/>
-        </p:nvSpPr>
-        <p:spPr>
-          <a:xfrm>
-            <a:off x="838200" y="1936115"/>
-            <a:ext cx="8430260" cy="368300"/>
-          </a:xfrm>
-          <a:prstGeom prst="rect">
-            <a:avLst/>
-          </a:prstGeom>
-          <a:noFill/>
-        </p:spPr>
-        <p:txBody>
-          <a:bodyPr wrap="square" rtlCol="0" anchor="t">
-            <a:spAutoFit/>
-          </a:bodyPr>
+              <a:t>ASCII</a:t>
+            </a:r>
+            <a:endParaRPr lang="zh-CN" altLang="en-US"/>
+          </a:p>
           <a:p>
             <a:r>
               <a:rPr lang="zh-CN" altLang="en-US"/>
-              <a:t>Object URL 是一种伪协议，也被称为 Blob URL，是</a:t>
+              <a:t>atob()： 解码：</a:t>
             </a:r>
             <a:r>
               <a:rPr lang="zh-CN" altLang="en-US">
                 <a:sym typeface="+mn-ea"/>
               </a:rPr>
-              <a:t>「URL → Blob」 的映射</a:t>
+              <a:t>ASCII </a:t>
+            </a:r>
+            <a:r>
+              <a:rPr lang="en-US" altLang="zh-CN">
+                <a:sym typeface="+mn-ea"/>
+              </a:rPr>
+              <a:t>To B</a:t>
+            </a:r>
+            <a:r>
+              <a:rPr lang="zh-CN" altLang="en-US">
+                <a:sym typeface="+mn-ea"/>
+              </a:rPr>
+              <a:t>inary</a:t>
             </a:r>
             <a:endParaRPr lang="zh-CN" altLang="en-US"/>
           </a:p>
@@ -3275,72 +3190,17 @@
           <a:bodyPr/>
           <a:p>
             <a:r>
+              <a:rPr>
+                <a:sym typeface="+mn-ea"/>
+              </a:rPr>
               <a:t>Blob</a:t>
             </a:r>
-          </a:p>
-        </p:txBody>
-      </p:sp>
-      <p:sp>
-        <p:nvSpPr>
-          <p:cNvPr id="3" name="文本框 2"/>
-          <p:cNvSpPr txBox="1"/>
-          <p:nvPr/>
-        </p:nvSpPr>
-        <p:spPr>
-          <a:xfrm>
-            <a:off x="838200" y="1595120"/>
-            <a:ext cx="6150610" cy="368300"/>
-          </a:xfrm>
-          <a:prstGeom prst="rect">
-            <a:avLst/>
-          </a:prstGeom>
-          <a:noFill/>
-        </p:spPr>
-        <p:txBody>
-          <a:bodyPr wrap="square" rtlCol="0" anchor="t">
-            <a:spAutoFit/>
-          </a:bodyPr>
-          <a:p>
-            <a:r>
-              <a:rPr lang="zh-CN" altLang="en-US"/>
-              <a:t>Blob（Binary Large Object）表示二进制类型的大对象。</a:t>
-            </a:r>
-            <a:endParaRPr lang="zh-CN" altLang="en-US"/>
-          </a:p>
-        </p:txBody>
-      </p:sp>
-      <p:sp>
-        <p:nvSpPr>
-          <p:cNvPr id="8" name="文本框 7"/>
-          <p:cNvSpPr txBox="1"/>
-          <p:nvPr/>
-        </p:nvSpPr>
-        <p:spPr>
-          <a:xfrm>
-            <a:off x="838200" y="2276475"/>
-            <a:ext cx="4218940" cy="368300"/>
-          </a:xfrm>
-          <a:prstGeom prst="rect">
-            <a:avLst/>
-          </a:prstGeom>
-          <a:noFill/>
-        </p:spPr>
-        <p:txBody>
-          <a:bodyPr wrap="square" rtlCol="0" anchor="t">
-            <a:spAutoFit/>
-          </a:bodyPr>
-          <a:p>
-            <a:r>
-              <a:rPr lang="zh-CN" altLang="en-US"/>
-              <a:t>var aBlob = new Blob(blobParts, options);</a:t>
-            </a:r>
-            <a:endParaRPr lang="zh-CN" altLang="en-US"/>
           </a:p>
         </p:txBody>
       </p:sp>
       <p:pic>
         <p:nvPicPr>
-          <p:cNvPr id="9" name="图片 8"/>
+          <p:cNvPr id="4" name="图片 3"/>
           <p:cNvPicPr>
             <a:picLocks noChangeAspect="1"/>
           </p:cNvPicPr>
@@ -3354,8 +3214,8 @@
         </p:blipFill>
         <p:spPr>
           <a:xfrm>
-            <a:off x="2785745" y="4405630"/>
-            <a:ext cx="6619875" cy="1438275"/>
+            <a:off x="757555" y="2512060"/>
+            <a:ext cx="5487670" cy="2071370"/>
           </a:xfrm>
           <a:prstGeom prst="rect">
             <a:avLst/>
@@ -3364,7 +3224,7 @@
       </p:pic>
       <p:pic>
         <p:nvPicPr>
-          <p:cNvPr id="10" name="图片 9"/>
+          <p:cNvPr id="6" name="图片 5"/>
           <p:cNvPicPr>
             <a:picLocks noChangeAspect="1"/>
           </p:cNvPicPr>
@@ -3378,8 +3238,32 @@
         </p:blipFill>
         <p:spPr>
           <a:xfrm>
-            <a:off x="2924175" y="3108960"/>
-            <a:ext cx="6343650" cy="1019175"/>
+            <a:off x="3314065" y="5351780"/>
+            <a:ext cx="5561330" cy="566420"/>
+          </a:xfrm>
+          <a:prstGeom prst="rect">
+            <a:avLst/>
+          </a:prstGeom>
+        </p:spPr>
+      </p:pic>
+      <p:pic>
+        <p:nvPicPr>
+          <p:cNvPr id="7" name="图片 6"/>
+          <p:cNvPicPr>
+            <a:picLocks noChangeAspect="1"/>
+          </p:cNvPicPr>
+          <p:nvPr/>
+        </p:nvPicPr>
+        <p:blipFill>
+          <a:blip r:embed="rId3"/>
+          <a:stretch>
+            <a:fillRect/>
+          </a:stretch>
+        </p:blipFill>
+        <p:spPr>
+          <a:xfrm>
+            <a:off x="6423660" y="2512060"/>
+            <a:ext cx="5079365" cy="2070735"/>
           </a:xfrm>
           <a:prstGeom prst="rect">
             <a:avLst/>
@@ -3424,9 +3308,124 @@
           </a:p>
         </p:txBody>
       </p:sp>
+      <p:sp>
+        <p:nvSpPr>
+          <p:cNvPr id="5" name="文本框 4"/>
+          <p:cNvSpPr txBox="1"/>
+          <p:nvPr/>
+        </p:nvSpPr>
+        <p:spPr>
+          <a:xfrm>
+            <a:off x="838200" y="2943860"/>
+            <a:ext cx="10407650" cy="645160"/>
+          </a:xfrm>
+          <a:prstGeom prst="rect">
+            <a:avLst/>
+          </a:prstGeom>
+          <a:noFill/>
+        </p:spPr>
+        <p:txBody>
+          <a:bodyPr wrap="square" rtlCol="0" anchor="t">
+            <a:spAutoFit/>
+          </a:bodyPr>
+          <a:p>
+            <a:r>
+              <a:rPr lang="zh-CN" altLang="en-US"/>
+              <a:t>通过 URL.createObjectURL 生成「URL → Blob」 的映射。</a:t>
+            </a:r>
+            <a:endParaRPr lang="zh-CN" altLang="en-US"/>
+          </a:p>
+          <a:p>
+            <a:r>
+              <a:rPr lang="zh-CN" altLang="en-US"/>
+              <a:t>仅在当前文档打开的状态下才有效，否则 404</a:t>
+            </a:r>
+            <a:endParaRPr lang="zh-CN" altLang="en-US"/>
+          </a:p>
+        </p:txBody>
+      </p:sp>
+      <p:sp>
+        <p:nvSpPr>
+          <p:cNvPr id="6" name="文本框 5"/>
+          <p:cNvSpPr txBox="1"/>
+          <p:nvPr/>
+        </p:nvSpPr>
+        <p:spPr>
+          <a:xfrm>
+            <a:off x="838200" y="4088765"/>
+            <a:ext cx="10407650" cy="645160"/>
+          </a:xfrm>
+          <a:prstGeom prst="rect">
+            <a:avLst/>
+          </a:prstGeom>
+          <a:noFill/>
+        </p:spPr>
+        <p:txBody>
+          <a:bodyPr wrap="square" rtlCol="0" anchor="t">
+            <a:spAutoFit/>
+          </a:bodyPr>
+          <a:p>
+            <a:r>
+              <a:rPr lang="zh-CN" altLang="en-US"/>
+              <a:t>如果文档未关闭，该映射将一直驻留在内存中，导致</a:t>
+            </a:r>
+            <a:r>
+              <a:rPr lang="en-US" altLang="zh-CN"/>
+              <a:t>Blob</a:t>
+            </a:r>
+            <a:r>
+              <a:rPr lang="zh-CN" altLang="en-US"/>
+              <a:t>对象未被释放</a:t>
+            </a:r>
+            <a:endParaRPr lang="zh-CN" altLang="en-US"/>
+          </a:p>
+          <a:p>
+            <a:r>
+              <a:rPr lang="zh-CN" altLang="en-US"/>
+              <a:t>可以通过URL.revokeObjectURL(url)撤销映射</a:t>
+            </a:r>
+            <a:endParaRPr lang="zh-CN" altLang="en-US"/>
+          </a:p>
+        </p:txBody>
+      </p:sp>
+      <p:sp>
+        <p:nvSpPr>
+          <p:cNvPr id="7" name="文本框 6"/>
+          <p:cNvSpPr txBox="1"/>
+          <p:nvPr/>
+        </p:nvSpPr>
+        <p:spPr>
+          <a:xfrm>
+            <a:off x="838200" y="1936115"/>
+            <a:ext cx="8430260" cy="368300"/>
+          </a:xfrm>
+          <a:prstGeom prst="rect">
+            <a:avLst/>
+          </a:prstGeom>
+          <a:noFill/>
+        </p:spPr>
+        <p:txBody>
+          <a:bodyPr wrap="square" rtlCol="0" anchor="t">
+            <a:spAutoFit/>
+          </a:bodyPr>
+          <a:p>
+            <a:r>
+              <a:rPr lang="zh-CN" altLang="en-US"/>
+              <a:t>Object URL 是一种伪协议，也被称为 Blob URL，是</a:t>
+            </a:r>
+            <a:r>
+              <a:rPr lang="zh-CN" altLang="en-US">
+                <a:sym typeface="+mn-ea"/>
+              </a:rPr>
+              <a:t>「URL → Blob」 的映射</a:t>
+            </a:r>
+            <a:endParaRPr lang="zh-CN" altLang="en-US"/>
+          </a:p>
+        </p:txBody>
+      </p:sp>
       <p:pic>
         <p:nvPicPr>
-          <p:cNvPr id="4" name="图片 3"/>
+          <p:cNvPr id="3" name="图片 2"/>
           <p:cNvPicPr>
             <a:picLocks noChangeAspect="1"/>
           </p:cNvPicPr>
@@ -3440,8 +3439,32 @@
         </p:blipFill>
         <p:spPr>
           <a:xfrm>
-            <a:off x="2343150" y="1691005"/>
-            <a:ext cx="7505700" cy="2581275"/>
+            <a:off x="9268460" y="1936115"/>
+            <a:ext cx="1647825" cy="457200"/>
+          </a:xfrm>
+          <a:prstGeom prst="rect">
+            <a:avLst/>
+          </a:prstGeom>
+        </p:spPr>
+      </p:pic>
+      <p:pic>
+        <p:nvPicPr>
+          <p:cNvPr id="8" name="图片 7"/>
+          <p:cNvPicPr>
+            <a:picLocks noChangeAspect="1"/>
+          </p:cNvPicPr>
+          <p:nvPr/>
+        </p:nvPicPr>
+        <p:blipFill>
+          <a:blip r:embed="rId2"/>
+          <a:stretch>
+            <a:fillRect/>
+          </a:stretch>
+        </p:blipFill>
+        <p:spPr>
+          <a:xfrm>
+            <a:off x="838200" y="4949190"/>
+            <a:ext cx="5343525" cy="1552575"/>
           </a:xfrm>
           <a:prstGeom prst="rect">
             <a:avLst/>
@@ -3481,21 +3504,21 @@
           <a:bodyPr/>
           <a:p>
             <a:r>
-              <a:t>ArrayBuffer </a:t>
-            </a:r>
-          </a:p>
-        </p:txBody>
-      </p:sp>
-      <p:sp>
-        <p:nvSpPr>
-          <p:cNvPr id="4" name="文本框 3"/>
+              <a:t>Blob</a:t>
+            </a:r>
+          </a:p>
+        </p:txBody>
+      </p:sp>
+      <p:sp>
+        <p:nvSpPr>
+          <p:cNvPr id="3" name="文本框 2"/>
           <p:cNvSpPr txBox="1"/>
           <p:nvPr/>
         </p:nvSpPr>
         <p:spPr>
           <a:xfrm>
-            <a:off x="838200" y="1691005"/>
-            <a:ext cx="9989820" cy="645160"/>
+            <a:off x="838200" y="1595120"/>
+            <a:ext cx="6150610" cy="368300"/>
           </a:xfrm>
           <a:prstGeom prst="rect">
             <a:avLst/>
@@ -3509,22 +3532,36 @@
           <a:p>
             <a:r>
               <a:rPr lang="zh-CN" altLang="en-US"/>
-              <a:t>ArrayBuffer 对象用来表示「通用的、固定长度的」原始二进制数据缓冲区</a:t>
-            </a:r>
-            <a:endParaRPr lang="zh-CN" altLang="en-US"/>
-          </a:p>
+              <a:t>Blob（Binary Large Object）表示二进制类型的大对象。</a:t>
+            </a:r>
+            <a:endParaRPr lang="zh-CN" altLang="en-US"/>
+          </a:p>
+        </p:txBody>
+      </p:sp>
+      <p:sp>
+        <p:nvSpPr>
+          <p:cNvPr id="8" name="文本框 7"/>
+          <p:cNvSpPr txBox="1"/>
+          <p:nvPr/>
+        </p:nvSpPr>
+        <p:spPr>
+          <a:xfrm>
+            <a:off x="838200" y="2276475"/>
+            <a:ext cx="4218940" cy="368300"/>
+          </a:xfrm>
+          <a:prstGeom prst="rect">
+            <a:avLst/>
+          </a:prstGeom>
+          <a:noFill/>
+        </p:spPr>
+        <p:txBody>
+          <a:bodyPr wrap="square" rtlCol="0" anchor="t">
+            <a:spAutoFit/>
+          </a:bodyPr>
           <a:p>
             <a:r>
               <a:rPr lang="zh-CN" altLang="en-US"/>
-              <a:t>ArrayBuffer 是一片内存，不能直接操作，而是要通过 </a:t>
-            </a:r>
-            <a:r>
-              <a:rPr lang="en-US" altLang="zh-CN"/>
-              <a:t>TypedArray</a:t>
-            </a:r>
-            <a:r>
-              <a:rPr lang="zh-CN" altLang="en-US"/>
-              <a:t> 或 DataView 来操作</a:t>
+              <a:t>var aBlob = new Blob(blobParts, options);</a:t>
             </a:r>
             <a:endParaRPr lang="zh-CN" altLang="en-US"/>
           </a:p>
@@ -3532,7 +3569,7 @@
       </p:sp>
       <p:pic>
         <p:nvPicPr>
-          <p:cNvPr id="5" name="图片 4"/>
+          <p:cNvPr id="9" name="图片 8"/>
           <p:cNvPicPr>
             <a:picLocks noChangeAspect="1"/>
           </p:cNvPicPr>
@@ -3546,8 +3583,8 @@
         </p:blipFill>
         <p:spPr>
           <a:xfrm>
-            <a:off x="3023235" y="3020695"/>
-            <a:ext cx="5619750" cy="647700"/>
+            <a:off x="2785745" y="4405630"/>
+            <a:ext cx="6619875" cy="1438275"/>
           </a:xfrm>
           <a:prstGeom prst="rect">
             <a:avLst/>
@@ -3556,7 +3593,7 @@
       </p:pic>
       <p:pic>
         <p:nvPicPr>
-          <p:cNvPr id="9" name="图片 8"/>
+          <p:cNvPr id="10" name="图片 9"/>
           <p:cNvPicPr>
             <a:picLocks noChangeAspect="1"/>
           </p:cNvPicPr>
@@ -3570,8 +3607,8 @@
         </p:blipFill>
         <p:spPr>
           <a:xfrm>
-            <a:off x="1565910" y="4533265"/>
-            <a:ext cx="8534400" cy="1098550"/>
+            <a:off x="2924175" y="3108960"/>
+            <a:ext cx="6343650" cy="1019175"/>
           </a:xfrm>
           <a:prstGeom prst="rect">
             <a:avLst/>
@@ -3611,14 +3648,14 @@
           <a:bodyPr/>
           <a:p>
             <a:r>
-              <a:t>ArrayBuffer </a:t>
+              <a:t>Blob</a:t>
             </a:r>
           </a:p>
         </p:txBody>
       </p:sp>
       <p:pic>
         <p:nvPicPr>
-          <p:cNvPr id="6" name="图片 5"/>
+          <p:cNvPr id="4" name="图片 3"/>
           <p:cNvPicPr>
             <a:picLocks noChangeAspect="1"/>
           </p:cNvPicPr>
@@ -3632,56 +3669,8 @@
         </p:blipFill>
         <p:spPr>
           <a:xfrm>
-            <a:off x="974090" y="1691005"/>
-            <a:ext cx="4692015" cy="1661795"/>
-          </a:xfrm>
-          <a:prstGeom prst="rect">
-            <a:avLst/>
-          </a:prstGeom>
-        </p:spPr>
-      </p:pic>
-      <p:pic>
-        <p:nvPicPr>
-          <p:cNvPr id="7" name="图片 6"/>
-          <p:cNvPicPr>
-            <a:picLocks noChangeAspect="1"/>
-          </p:cNvPicPr>
-          <p:nvPr/>
-        </p:nvPicPr>
-        <p:blipFill>
-          <a:blip r:embed="rId2"/>
-          <a:stretch>
-            <a:fillRect/>
-          </a:stretch>
-        </p:blipFill>
-        <p:spPr>
-          <a:xfrm>
-            <a:off x="6320155" y="1691005"/>
-            <a:ext cx="5541010" cy="1662430"/>
-          </a:xfrm>
-          <a:prstGeom prst="rect">
-            <a:avLst/>
-          </a:prstGeom>
-        </p:spPr>
-      </p:pic>
-      <p:pic>
-        <p:nvPicPr>
-          <p:cNvPr id="3" name="图片 2"/>
-          <p:cNvPicPr>
-            <a:picLocks noChangeAspect="1"/>
-          </p:cNvPicPr>
-          <p:nvPr/>
-        </p:nvPicPr>
-        <p:blipFill>
-          <a:blip r:embed="rId3"/>
-          <a:stretch>
-            <a:fillRect/>
-          </a:stretch>
-        </p:blipFill>
-        <p:spPr>
-          <a:xfrm>
-            <a:off x="3728085" y="3823335"/>
-            <a:ext cx="4735830" cy="2482850"/>
+            <a:off x="1753235" y="2390140"/>
+            <a:ext cx="8685530" cy="2987040"/>
           </a:xfrm>
           <a:prstGeom prst="rect">
             <a:avLst/>
@@ -3728,7 +3717,7 @@
       </p:sp>
       <p:pic>
         <p:nvPicPr>
-          <p:cNvPr id="4" name="图片 3"/>
+          <p:cNvPr id="3" name="图片 2"/>
           <p:cNvPicPr>
             <a:picLocks noChangeAspect="1"/>
           </p:cNvPicPr>
@@ -3742,32 +3731,8 @@
         </p:blipFill>
         <p:spPr>
           <a:xfrm>
-            <a:off x="4250055" y="1965960"/>
-            <a:ext cx="6896100" cy="3774440"/>
-          </a:xfrm>
-          <a:prstGeom prst="rect">
-            <a:avLst/>
-          </a:prstGeom>
-        </p:spPr>
-      </p:pic>
-      <p:pic>
-        <p:nvPicPr>
-          <p:cNvPr id="5" name="图片 4"/>
-          <p:cNvPicPr>
-            <a:picLocks noChangeAspect="1"/>
-          </p:cNvPicPr>
-          <p:nvPr/>
-        </p:nvPicPr>
-        <p:blipFill>
-          <a:blip r:embed="rId2"/>
-          <a:stretch>
-            <a:fillRect/>
-          </a:stretch>
-        </p:blipFill>
-        <p:spPr>
-          <a:xfrm>
-            <a:off x="1016635" y="3210560"/>
-            <a:ext cx="2952750" cy="1285875"/>
+            <a:off x="3367405" y="2294890"/>
+            <a:ext cx="5457825" cy="3400425"/>
           </a:xfrm>
           <a:prstGeom prst="rect">
             <a:avLst/>
@@ -3814,14 +3779,14 @@
       </p:sp>
       <p:sp>
         <p:nvSpPr>
-          <p:cNvPr id="5" name="文本框 4"/>
+          <p:cNvPr id="4" name="文本框 3"/>
           <p:cNvSpPr txBox="1"/>
           <p:nvPr/>
         </p:nvSpPr>
         <p:spPr>
           <a:xfrm>
-            <a:off x="936625" y="3181350"/>
-            <a:ext cx="9599930" cy="1198880"/>
+            <a:off x="838200" y="1691005"/>
+            <a:ext cx="9989820" cy="645160"/>
           </a:xfrm>
           <a:prstGeom prst="rect">
             <a:avLst/>
@@ -3833,81 +3798,77 @@
             <a:spAutoFit/>
           </a:bodyPr>
           <a:p>
-            <a:pPr marL="285750" indent="-285750">
-              <a:buFont typeface="Arial" panose="020B0604020202020204" pitchFamily="34" charset="0"/>
-              <a:buChar char="•"/>
-            </a:pPr>
             <a:r>
               <a:rPr lang="zh-CN" altLang="en-US"/>
-              <a:t>除非你需要使用 ArrayBuffer 提供的写入/编辑的能力，否则 Blob 格式可能是最好的</a:t>
-            </a:r>
-            <a:endParaRPr lang="zh-CN" altLang="en-US"/>
-          </a:p>
-          <a:p>
-            <a:pPr marL="285750" indent="-285750">
-              <a:buFont typeface="Arial" panose="020B0604020202020204" pitchFamily="34" charset="0"/>
-              <a:buChar char="•"/>
-            </a:pPr>
+              <a:t>ArrayBuffer 对象用来表示「通用的、固定长度的」原始二进制数据缓冲区</a:t>
+            </a:r>
+            <a:endParaRPr lang="zh-CN" altLang="en-US"/>
+          </a:p>
+          <a:p>
             <a:r>
               <a:rPr lang="zh-CN" altLang="en-US"/>
-              <a:t>Blob 对象是不可变的，而 ArrayBuffer 是可以通过 TypedArrays 或 DataView 来操作</a:t>
-            </a:r>
-            <a:endParaRPr lang="zh-CN" altLang="en-US"/>
-          </a:p>
-          <a:p>
-            <a:pPr marL="285750" indent="-285750">
-              <a:buFont typeface="Arial" panose="020B0604020202020204" pitchFamily="34" charset="0"/>
-              <a:buChar char="•"/>
-            </a:pPr>
+              <a:t>ArrayBuffer 是一片内存，不能直接操作，而是要通过 </a:t>
+            </a:r>
+            <a:r>
+              <a:rPr lang="en-US" altLang="zh-CN"/>
+              <a:t>TypedArray</a:t>
+            </a:r>
             <a:r>
               <a:rPr lang="zh-CN" altLang="en-US"/>
-              <a:t>ArrayBuffer 是存在内存中的，可以直接操作。而 Blob 可以位于磁盘、高速缓存内存和其他不可用的位置</a:t>
-            </a:r>
-            <a:endParaRPr lang="zh-CN" altLang="en-US"/>
-          </a:p>
-        </p:txBody>
-      </p:sp>
-      <p:sp>
-        <p:nvSpPr>
-          <p:cNvPr id="8" name="文本框 7"/>
-          <p:cNvSpPr txBox="1"/>
+              <a:t> 或 DataView 来操作</a:t>
+            </a:r>
+            <a:endParaRPr lang="zh-CN" altLang="en-US"/>
+          </a:p>
+        </p:txBody>
+      </p:sp>
+      <p:pic>
+        <p:nvPicPr>
+          <p:cNvPr id="5" name="图片 4"/>
+          <p:cNvPicPr>
+            <a:picLocks noChangeAspect="1"/>
+          </p:cNvPicPr>
           <p:nvPr/>
-        </p:nvSpPr>
-        <p:spPr>
-          <a:xfrm>
-            <a:off x="936625" y="2409190"/>
-            <a:ext cx="9599930" cy="368300"/>
+        </p:nvPicPr>
+        <p:blipFill>
+          <a:blip r:embed="rId1"/>
+          <a:stretch>
+            <a:fillRect/>
+          </a:stretch>
+        </p:blipFill>
+        <p:spPr>
+          <a:xfrm>
+            <a:off x="3023235" y="3020695"/>
+            <a:ext cx="5619750" cy="647700"/>
           </a:xfrm>
           <a:prstGeom prst="rect">
             <a:avLst/>
           </a:prstGeom>
-          <a:noFill/>
-        </p:spPr>
-        <p:txBody>
-          <a:bodyPr wrap="square" rtlCol="0" anchor="t">
-            <a:spAutoFit/>
-          </a:bodyPr>
-          <a:p>
-            <a:pPr indent="0">
-              <a:buFont typeface="Arial" panose="020B0604020202020204" pitchFamily="34" charset="0"/>
-              <a:buNone/>
-            </a:pPr>
-            <a:r>
-              <a:rPr lang="en-US" altLang="zh-CN"/>
-              <a:t>ArrayBuffer</a:t>
-            </a:r>
-            <a:r>
-              <a:rPr lang="zh-CN" altLang="en-US"/>
-              <a:t>与</a:t>
-            </a:r>
-            <a:r>
-              <a:rPr lang="en-US" altLang="zh-CN"/>
-              <a:t>Blob</a:t>
-            </a:r>
-            <a:endParaRPr lang="en-US" altLang="zh-CN"/>
-          </a:p>
-        </p:txBody>
-      </p:sp>
+        </p:spPr>
+      </p:pic>
+      <p:pic>
+        <p:nvPicPr>
+          <p:cNvPr id="9" name="图片 8"/>
+          <p:cNvPicPr>
+            <a:picLocks noChangeAspect="1"/>
+          </p:cNvPicPr>
+          <p:nvPr/>
+        </p:nvPicPr>
+        <p:blipFill>
+          <a:blip r:embed="rId2"/>
+          <a:stretch>
+            <a:fillRect/>
+          </a:stretch>
+        </p:blipFill>
+        <p:spPr>
+          <a:xfrm>
+            <a:off x="1565910" y="4533265"/>
+            <a:ext cx="8534400" cy="1098550"/>
+          </a:xfrm>
+          <a:prstGeom prst="rect">
+            <a:avLst/>
+          </a:prstGeom>
+        </p:spPr>
+      </p:pic>
     </p:spTree>
   </p:cSld>
   <p:clrMapOvr>
@@ -3941,17 +3902,14 @@
           <a:bodyPr/>
           <a:p>
             <a:r>
-              <a:rPr lang="zh-CN" altLang="en-US">
-                <a:sym typeface="+mn-ea"/>
-              </a:rPr>
-              <a:t>应用：图片处理</a:t>
+              <a:t>ArrayBuffer </a:t>
             </a:r>
           </a:p>
         </p:txBody>
       </p:sp>
       <p:pic>
         <p:nvPicPr>
-          <p:cNvPr id="7" name="图片 6"/>
+          <p:cNvPr id="6" name="图片 5"/>
           <p:cNvPicPr>
             <a:picLocks noChangeAspect="1"/>
           </p:cNvPicPr>
@@ -3965,8 +3923,56 @@
         </p:blipFill>
         <p:spPr>
           <a:xfrm>
-            <a:off x="3297555" y="2620010"/>
-            <a:ext cx="5596890" cy="2503170"/>
+            <a:off x="974090" y="1691005"/>
+            <a:ext cx="4692015" cy="1661795"/>
+          </a:xfrm>
+          <a:prstGeom prst="rect">
+            <a:avLst/>
+          </a:prstGeom>
+        </p:spPr>
+      </p:pic>
+      <p:pic>
+        <p:nvPicPr>
+          <p:cNvPr id="7" name="图片 6"/>
+          <p:cNvPicPr>
+            <a:picLocks noChangeAspect="1"/>
+          </p:cNvPicPr>
+          <p:nvPr/>
+        </p:nvPicPr>
+        <p:blipFill>
+          <a:blip r:embed="rId2"/>
+          <a:stretch>
+            <a:fillRect/>
+          </a:stretch>
+        </p:blipFill>
+        <p:spPr>
+          <a:xfrm>
+            <a:off x="6320155" y="1691005"/>
+            <a:ext cx="5541010" cy="1662430"/>
+          </a:xfrm>
+          <a:prstGeom prst="rect">
+            <a:avLst/>
+          </a:prstGeom>
+        </p:spPr>
+      </p:pic>
+      <p:pic>
+        <p:nvPicPr>
+          <p:cNvPr id="3" name="图片 2"/>
+          <p:cNvPicPr>
+            <a:picLocks noChangeAspect="1"/>
+          </p:cNvPicPr>
+          <p:nvPr/>
+        </p:nvPicPr>
+        <p:blipFill>
+          <a:blip r:embed="rId3"/>
+          <a:stretch>
+            <a:fillRect/>
+          </a:stretch>
+        </p:blipFill>
+        <p:spPr>
+          <a:xfrm>
+            <a:off x="3728085" y="3823335"/>
+            <a:ext cx="4735830" cy="2482850"/>
           </a:xfrm>
           <a:prstGeom prst="rect">
             <a:avLst/>
@@ -4006,20 +4012,14 @@
           <a:bodyPr/>
           <a:p>
             <a:r>
-              <a:rPr lang="zh-CN" altLang="en-US">
-                <a:sym typeface="+mn-ea"/>
-              </a:rPr>
-              <a:t>应用：图片处理</a:t>
-            </a:r>
-            <a:endParaRPr lang="zh-CN" altLang="en-US">
-              <a:sym typeface="+mn-ea"/>
-            </a:endParaRPr>
+              <a:t>ArrayBuffer </a:t>
+            </a:r>
           </a:p>
         </p:txBody>
       </p:sp>
       <p:pic>
         <p:nvPicPr>
-          <p:cNvPr id="3" name="图片 2"/>
+          <p:cNvPr id="4" name="图片 3"/>
           <p:cNvPicPr>
             <a:picLocks noChangeAspect="1"/>
           </p:cNvPicPr>
@@ -4033,8 +4033,8 @@
         </p:blipFill>
         <p:spPr>
           <a:xfrm>
-            <a:off x="2948305" y="1864360"/>
-            <a:ext cx="6296025" cy="619125"/>
+            <a:off x="4250055" y="1965960"/>
+            <a:ext cx="6896100" cy="3774440"/>
           </a:xfrm>
           <a:prstGeom prst="rect">
             <a:avLst/>
@@ -4043,7 +4043,7 @@
       </p:pic>
       <p:pic>
         <p:nvPicPr>
-          <p:cNvPr id="4" name="图片 3"/>
+          <p:cNvPr id="5" name="图片 4"/>
           <p:cNvPicPr>
             <a:picLocks noChangeAspect="1"/>
           </p:cNvPicPr>
@@ -4057,32 +4057,8 @@
         </p:blipFill>
         <p:spPr>
           <a:xfrm>
-            <a:off x="1751330" y="2918460"/>
-            <a:ext cx="8688070" cy="1682750"/>
-          </a:xfrm>
-          <a:prstGeom prst="rect">
-            <a:avLst/>
-          </a:prstGeom>
-        </p:spPr>
-      </p:pic>
-      <p:pic>
-        <p:nvPicPr>
-          <p:cNvPr id="6" name="图片 5"/>
-          <p:cNvPicPr>
-            <a:picLocks noChangeAspect="1"/>
-          </p:cNvPicPr>
-          <p:nvPr/>
-        </p:nvPicPr>
-        <p:blipFill>
-          <a:blip r:embed="rId3"/>
-          <a:stretch>
-            <a:fillRect/>
-          </a:stretch>
-        </p:blipFill>
-        <p:spPr>
-          <a:xfrm>
-            <a:off x="3615055" y="4956810"/>
-            <a:ext cx="4962525" cy="1485900"/>
+            <a:off x="1016635" y="3210560"/>
+            <a:ext cx="2952750" cy="1285875"/>
           </a:xfrm>
           <a:prstGeom prst="rect">
             <a:avLst/>
@@ -4169,7 +4145,7 @@
         </p:blipFill>
         <p:spPr>
           <a:xfrm>
-            <a:off x="5760085" y="1932940"/>
+            <a:off x="5655945" y="1995170"/>
             <a:ext cx="6324600" cy="2828925"/>
           </a:xfrm>
           <a:prstGeom prst="rect">
@@ -4205,6 +4181,324 @@
             <p:ph type="title"/>
           </p:nvPr>
         </p:nvSpPr>
+        <p:spPr/>
+        <p:txBody>
+          <a:bodyPr/>
+          <a:p>
+            <a:r>
+              <a:t>ArrayBuffer </a:t>
+            </a:r>
+          </a:p>
+        </p:txBody>
+      </p:sp>
+      <p:sp>
+        <p:nvSpPr>
+          <p:cNvPr id="5" name="文本框 4"/>
+          <p:cNvSpPr txBox="1"/>
+          <p:nvPr/>
+        </p:nvSpPr>
+        <p:spPr>
+          <a:xfrm>
+            <a:off x="936625" y="3181350"/>
+            <a:ext cx="9599930" cy="1198880"/>
+          </a:xfrm>
+          <a:prstGeom prst="rect">
+            <a:avLst/>
+          </a:prstGeom>
+          <a:noFill/>
+        </p:spPr>
+        <p:txBody>
+          <a:bodyPr wrap="square" rtlCol="0" anchor="t">
+            <a:spAutoFit/>
+          </a:bodyPr>
+          <a:p>
+            <a:pPr marL="285750" indent="-285750">
+              <a:buFont typeface="Arial" panose="020B0604020202020204" pitchFamily="34" charset="0"/>
+              <a:buChar char="•"/>
+            </a:pPr>
+            <a:r>
+              <a:rPr lang="zh-CN" altLang="en-US"/>
+              <a:t>除非你需要使用 ArrayBuffer 提供的写入/编辑的能力，否则 Blob 格式可能是最好的</a:t>
+            </a:r>
+            <a:endParaRPr lang="zh-CN" altLang="en-US"/>
+          </a:p>
+          <a:p>
+            <a:pPr marL="285750" indent="-285750">
+              <a:buFont typeface="Arial" panose="020B0604020202020204" pitchFamily="34" charset="0"/>
+              <a:buChar char="•"/>
+            </a:pPr>
+            <a:r>
+              <a:rPr lang="zh-CN" altLang="en-US"/>
+              <a:t>Blob 对象是不可变的，而 ArrayBuffer 是可以通过 TypedArrays 或 DataView 来操作</a:t>
+            </a:r>
+            <a:endParaRPr lang="zh-CN" altLang="en-US"/>
+          </a:p>
+          <a:p>
+            <a:pPr marL="285750" indent="-285750">
+              <a:buFont typeface="Arial" panose="020B0604020202020204" pitchFamily="34" charset="0"/>
+              <a:buChar char="•"/>
+            </a:pPr>
+            <a:r>
+              <a:rPr lang="zh-CN" altLang="en-US"/>
+              <a:t>ArrayBuffer 是存在内存中的，可以直接操作。而 Blob 可以位于磁盘、高速缓存内存和其他不可用的位置</a:t>
+            </a:r>
+            <a:endParaRPr lang="zh-CN" altLang="en-US"/>
+          </a:p>
+        </p:txBody>
+      </p:sp>
+      <p:sp>
+        <p:nvSpPr>
+          <p:cNvPr id="8" name="文本框 7"/>
+          <p:cNvSpPr txBox="1"/>
+          <p:nvPr/>
+        </p:nvSpPr>
+        <p:spPr>
+          <a:xfrm>
+            <a:off x="936625" y="2409190"/>
+            <a:ext cx="9599930" cy="368300"/>
+          </a:xfrm>
+          <a:prstGeom prst="rect">
+            <a:avLst/>
+          </a:prstGeom>
+          <a:noFill/>
+        </p:spPr>
+        <p:txBody>
+          <a:bodyPr wrap="square" rtlCol="0" anchor="t">
+            <a:spAutoFit/>
+          </a:bodyPr>
+          <a:p>
+            <a:pPr indent="0">
+              <a:buFont typeface="Arial" panose="020B0604020202020204" pitchFamily="34" charset="0"/>
+              <a:buNone/>
+            </a:pPr>
+            <a:r>
+              <a:rPr lang="en-US" altLang="zh-CN"/>
+              <a:t>ArrayBuffer</a:t>
+            </a:r>
+            <a:r>
+              <a:rPr lang="zh-CN" altLang="en-US"/>
+              <a:t>与</a:t>
+            </a:r>
+            <a:r>
+              <a:rPr lang="en-US" altLang="zh-CN"/>
+              <a:t>Blob</a:t>
+            </a:r>
+            <a:endParaRPr lang="en-US" altLang="zh-CN"/>
+          </a:p>
+        </p:txBody>
+      </p:sp>
+    </p:spTree>
+  </p:cSld>
+  <p:clrMapOvr>
+    <a:masterClrMapping/>
+  </p:clrMapOvr>
+</p:sld>
+</file>
+
+<file path=ppt/slides/slide21.xml><?xml version="1.0" encoding="utf-8"?>
+<p:sld xmlns:a="http://schemas.openxmlformats.org/drawingml/2006/main" xmlns:r="http://schemas.openxmlformats.org/officeDocument/2006/relationships" xmlns:p="http://schemas.openxmlformats.org/presentationml/2006/main">
+  <p:cSld>
+    <p:spTree>
+      <p:nvGrpSpPr>
+        <p:cNvPr id="1" name=""/>
+        <p:cNvGrpSpPr/>
+        <p:nvPr/>
+      </p:nvGrpSpPr>
+      <p:grpSpPr/>
+      <p:sp>
+        <p:nvSpPr>
+          <p:cNvPr id="2" name="标题 1"/>
+          <p:cNvSpPr>
+            <a:spLocks noGrp="1"/>
+          </p:cNvSpPr>
+          <p:nvPr>
+            <p:ph type="title"/>
+          </p:nvPr>
+        </p:nvSpPr>
+        <p:spPr/>
+        <p:txBody>
+          <a:bodyPr/>
+          <a:p>
+            <a:r>
+              <a:rPr lang="zh-CN" altLang="en-US">
+                <a:sym typeface="+mn-ea"/>
+              </a:rPr>
+              <a:t>应用：图片处理</a:t>
+            </a:r>
+            <a:endParaRPr lang="zh-CN" altLang="en-US">
+              <a:sym typeface="+mn-ea"/>
+            </a:endParaRPr>
+          </a:p>
+        </p:txBody>
+      </p:sp>
+      <p:pic>
+        <p:nvPicPr>
+          <p:cNvPr id="7" name="图片 6"/>
+          <p:cNvPicPr>
+            <a:picLocks noChangeAspect="1"/>
+          </p:cNvPicPr>
+          <p:nvPr/>
+        </p:nvPicPr>
+        <p:blipFill>
+          <a:blip r:embed="rId1"/>
+          <a:stretch>
+            <a:fillRect/>
+          </a:stretch>
+        </p:blipFill>
+        <p:spPr>
+          <a:xfrm>
+            <a:off x="3297555" y="2620010"/>
+            <a:ext cx="5596890" cy="2503170"/>
+          </a:xfrm>
+          <a:prstGeom prst="rect">
+            <a:avLst/>
+          </a:prstGeom>
+        </p:spPr>
+      </p:pic>
+    </p:spTree>
+  </p:cSld>
+  <p:clrMapOvr>
+    <a:masterClrMapping/>
+  </p:clrMapOvr>
+</p:sld>
+</file>
+
+<file path=ppt/slides/slide22.xml><?xml version="1.0" encoding="utf-8"?>
+<p:sld xmlns:a="http://schemas.openxmlformats.org/drawingml/2006/main" xmlns:r="http://schemas.openxmlformats.org/officeDocument/2006/relationships" xmlns:p="http://schemas.openxmlformats.org/presentationml/2006/main">
+  <p:cSld>
+    <p:spTree>
+      <p:nvGrpSpPr>
+        <p:cNvPr id="1" name=""/>
+        <p:cNvGrpSpPr/>
+        <p:nvPr/>
+      </p:nvGrpSpPr>
+      <p:grpSpPr/>
+      <p:sp>
+        <p:nvSpPr>
+          <p:cNvPr id="2" name="标题 1"/>
+          <p:cNvSpPr>
+            <a:spLocks noGrp="1"/>
+          </p:cNvSpPr>
+          <p:nvPr>
+            <p:ph type="title"/>
+          </p:nvPr>
+        </p:nvSpPr>
+        <p:spPr/>
+        <p:txBody>
+          <a:bodyPr/>
+          <a:p>
+            <a:r>
+              <a:rPr lang="zh-CN" altLang="en-US">
+                <a:sym typeface="+mn-ea"/>
+              </a:rPr>
+              <a:t>应用：图片处理</a:t>
+            </a:r>
+            <a:endParaRPr lang="zh-CN" altLang="en-US">
+              <a:sym typeface="+mn-ea"/>
+            </a:endParaRPr>
+          </a:p>
+        </p:txBody>
+      </p:sp>
+      <p:pic>
+        <p:nvPicPr>
+          <p:cNvPr id="3" name="图片 2"/>
+          <p:cNvPicPr>
+            <a:picLocks noChangeAspect="1"/>
+          </p:cNvPicPr>
+          <p:nvPr/>
+        </p:nvPicPr>
+        <p:blipFill>
+          <a:blip r:embed="rId1"/>
+          <a:stretch>
+            <a:fillRect/>
+          </a:stretch>
+        </p:blipFill>
+        <p:spPr>
+          <a:xfrm>
+            <a:off x="2948305" y="1864360"/>
+            <a:ext cx="6296025" cy="619125"/>
+          </a:xfrm>
+          <a:prstGeom prst="rect">
+            <a:avLst/>
+          </a:prstGeom>
+        </p:spPr>
+      </p:pic>
+      <p:pic>
+        <p:nvPicPr>
+          <p:cNvPr id="4" name="图片 3"/>
+          <p:cNvPicPr>
+            <a:picLocks noChangeAspect="1"/>
+          </p:cNvPicPr>
+          <p:nvPr/>
+        </p:nvPicPr>
+        <p:blipFill>
+          <a:blip r:embed="rId2"/>
+          <a:stretch>
+            <a:fillRect/>
+          </a:stretch>
+        </p:blipFill>
+        <p:spPr>
+          <a:xfrm>
+            <a:off x="1751330" y="2918460"/>
+            <a:ext cx="8688070" cy="1682750"/>
+          </a:xfrm>
+          <a:prstGeom prst="rect">
+            <a:avLst/>
+          </a:prstGeom>
+        </p:spPr>
+      </p:pic>
+      <p:pic>
+        <p:nvPicPr>
+          <p:cNvPr id="6" name="图片 5"/>
+          <p:cNvPicPr>
+            <a:picLocks noChangeAspect="1"/>
+          </p:cNvPicPr>
+          <p:nvPr/>
+        </p:nvPicPr>
+        <p:blipFill>
+          <a:blip r:embed="rId3"/>
+          <a:stretch>
+            <a:fillRect/>
+          </a:stretch>
+        </p:blipFill>
+        <p:spPr>
+          <a:xfrm>
+            <a:off x="3615055" y="4956810"/>
+            <a:ext cx="4962525" cy="1485900"/>
+          </a:xfrm>
+          <a:prstGeom prst="rect">
+            <a:avLst/>
+          </a:prstGeom>
+        </p:spPr>
+      </p:pic>
+    </p:spTree>
+  </p:cSld>
+  <p:clrMapOvr>
+    <a:masterClrMapping/>
+  </p:clrMapOvr>
+</p:sld>
+</file>
+
+<file path=ppt/slides/slide23.xml><?xml version="1.0" encoding="utf-8"?>
+<p:sld xmlns:a="http://schemas.openxmlformats.org/drawingml/2006/main" xmlns:r="http://schemas.openxmlformats.org/officeDocument/2006/relationships" xmlns:p="http://schemas.openxmlformats.org/presentationml/2006/main">
+  <p:cSld>
+    <p:spTree>
+      <p:nvGrpSpPr>
+        <p:cNvPr id="1" name=""/>
+        <p:cNvGrpSpPr/>
+        <p:nvPr/>
+      </p:nvGrpSpPr>
+      <p:grpSpPr/>
+      <p:sp>
+        <p:nvSpPr>
+          <p:cNvPr id="2" name="标题 1"/>
+          <p:cNvSpPr>
+            <a:spLocks noGrp="1"/>
+          </p:cNvSpPr>
+          <p:nvPr>
+            <p:ph type="title"/>
+          </p:nvPr>
+        </p:nvSpPr>
         <p:spPr>
           <a:xfrm>
             <a:off x="838200" y="2959100"/>
@@ -4328,7 +4622,10 @@
           <a:bodyPr/>
           <a:p>
             <a:r>
-              <a:t>FileReader</a:t>
+              <a:rPr>
+                <a:sym typeface="+mn-ea"/>
+              </a:rPr>
+              <a:t>Base64</a:t>
             </a:r>
           </a:p>
         </p:txBody>
@@ -4449,7 +4746,10 @@
           <a:bodyPr/>
           <a:p>
             <a:r>
-              <a:t>FileReader</a:t>
+              <a:rPr>
+                <a:sym typeface="+mn-ea"/>
+              </a:rPr>
+              <a:t>Base64</a:t>
             </a:r>
           </a:p>
         </p:txBody>
@@ -4516,6 +4816,9 @@
               </a:rPr>
               <a:t>Base64</a:t>
             </a:r>
+            <a:endParaRPr>
+              <a:sym typeface="+mn-ea"/>
+            </a:endParaRPr>
           </a:p>
         </p:txBody>
       </p:sp>
@@ -4681,7 +4984,7 @@
         </p:blipFill>
         <p:spPr>
           <a:xfrm>
-            <a:off x="2473325" y="2984500"/>
+            <a:off x="2473325" y="3542030"/>
             <a:ext cx="6762750" cy="2143125"/>
           </a:xfrm>
           <a:prstGeom prst="rect">
@@ -4689,6 +4992,40 @@
           </a:prstGeom>
         </p:spPr>
       </p:pic>
+      <p:sp>
+        <p:nvSpPr>
+          <p:cNvPr id="3" name="文本框 2"/>
+          <p:cNvSpPr txBox="1"/>
+          <p:nvPr/>
+        </p:nvSpPr>
+        <p:spPr>
+          <a:xfrm>
+            <a:off x="781050" y="2318385"/>
+            <a:ext cx="4533265" cy="368300"/>
+          </a:xfrm>
+          <a:prstGeom prst="rect">
+            <a:avLst/>
+          </a:prstGeom>
+          <a:noFill/>
+        </p:spPr>
+        <p:txBody>
+          <a:bodyPr wrap="none" rtlCol="0" anchor="t">
+            <a:spAutoFit/>
+          </a:bodyPr>
+          <a:p>
+            <a:r>
+              <a:rPr lang="zh-CN" altLang="en-US">
+                <a:sym typeface="+mn-ea"/>
+                <a:hlinkClick r:id="rId2" tooltip="" action="ppaction://hlinkfile"/>
+              </a:rPr>
+              <a:t>为什么会有base64 以及base64的说明和使用</a:t>
+            </a:r>
+            <a:endParaRPr lang="zh-CN" altLang="en-US">
+              <a:sym typeface="+mn-ea"/>
+            </a:endParaRPr>
+          </a:p>
+        </p:txBody>
+      </p:sp>
     </p:spTree>
   </p:cSld>
   <p:clrMapOvr>
@@ -4729,7 +5066,7 @@
       </p:sp>
       <p:pic>
         <p:nvPicPr>
-          <p:cNvPr id="3" name="图片 2"/>
+          <p:cNvPr id="8" name="图片 7"/>
           <p:cNvPicPr>
             <a:picLocks noChangeAspect="1"/>
           </p:cNvPicPr>
@@ -4743,32 +5080,8 @@
         </p:blipFill>
         <p:spPr>
           <a:xfrm>
-            <a:off x="2744470" y="1882775"/>
-            <a:ext cx="6600825" cy="1447800"/>
-          </a:xfrm>
-          <a:prstGeom prst="rect">
-            <a:avLst/>
-          </a:prstGeom>
-        </p:spPr>
-      </p:pic>
-      <p:pic>
-        <p:nvPicPr>
-          <p:cNvPr id="6" name="图片 5"/>
-          <p:cNvPicPr>
-            <a:picLocks noChangeAspect="1"/>
-          </p:cNvPicPr>
-          <p:nvPr/>
-        </p:nvPicPr>
-        <p:blipFill>
-          <a:blip r:embed="rId2"/>
-          <a:stretch>
-            <a:fillRect/>
-          </a:stretch>
-        </p:blipFill>
-        <p:spPr>
-          <a:xfrm>
-            <a:off x="2781300" y="4107180"/>
-            <a:ext cx="6629400" cy="1457325"/>
+            <a:off x="1647190" y="1485265"/>
+            <a:ext cx="8897620" cy="5034915"/>
           </a:xfrm>
           <a:prstGeom prst="rect">
             <a:avLst/>
@@ -4813,109 +5126,54 @@
           </a:p>
         </p:txBody>
       </p:sp>
-      <p:sp>
-        <p:nvSpPr>
-          <p:cNvPr id="4" name="文本框 3"/>
-          <p:cNvSpPr txBox="1"/>
+      <p:pic>
+        <p:nvPicPr>
+          <p:cNvPr id="3" name="图片 2"/>
+          <p:cNvPicPr>
+            <a:picLocks noChangeAspect="1"/>
+          </p:cNvPicPr>
           <p:nvPr/>
-        </p:nvSpPr>
-        <p:spPr>
-          <a:xfrm>
-            <a:off x="1460500" y="1973580"/>
-            <a:ext cx="2540000" cy="368300"/>
+        </p:nvPicPr>
+        <p:blipFill>
+          <a:blip r:embed="rId1"/>
+          <a:stretch>
+            <a:fillRect/>
+          </a:stretch>
+        </p:blipFill>
+        <p:spPr>
+          <a:xfrm>
+            <a:off x="2744470" y="1882775"/>
+            <a:ext cx="6600825" cy="1447800"/>
           </a:xfrm>
           <a:prstGeom prst="rect">
             <a:avLst/>
           </a:prstGeom>
-          <a:noFill/>
-        </p:spPr>
-        <p:txBody>
-          <a:bodyPr wrap="square" rtlCol="0" anchor="t">
-            <a:spAutoFit/>
-          </a:bodyPr>
-          <a:p>
-            <a:r>
-              <a:rPr lang="zh-CN" altLang="en-US"/>
-              <a:t>base64编解码</a:t>
-            </a:r>
-            <a:endParaRPr lang="zh-CN" altLang="en-US"/>
-          </a:p>
-        </p:txBody>
-      </p:sp>
-      <p:sp>
-        <p:nvSpPr>
-          <p:cNvPr id="5" name="文本框 4"/>
-          <p:cNvSpPr txBox="1"/>
+        </p:spPr>
+      </p:pic>
+      <p:pic>
+        <p:nvPicPr>
+          <p:cNvPr id="6" name="图片 5"/>
+          <p:cNvPicPr>
+            <a:picLocks noChangeAspect="1"/>
+          </p:cNvPicPr>
           <p:nvPr/>
-        </p:nvSpPr>
-        <p:spPr>
-          <a:xfrm>
-            <a:off x="1460500" y="3448050"/>
-            <a:ext cx="9236075" cy="645160"/>
+        </p:nvPicPr>
+        <p:blipFill>
+          <a:blip r:embed="rId2"/>
+          <a:stretch>
+            <a:fillRect/>
+          </a:stretch>
+        </p:blipFill>
+        <p:spPr>
+          <a:xfrm>
+            <a:off x="2781300" y="4107180"/>
+            <a:ext cx="6629400" cy="1457325"/>
           </a:xfrm>
           <a:prstGeom prst="rect">
             <a:avLst/>
           </a:prstGeom>
-          <a:noFill/>
-        </p:spPr>
-        <p:txBody>
-          <a:bodyPr wrap="square" rtlCol="0" anchor="t">
-            <a:spAutoFit/>
-          </a:bodyPr>
-          <a:p>
-            <a:r>
-              <a:rPr lang="zh-CN" altLang="en-US"/>
-              <a:t>btoa()：编码，</a:t>
-            </a:r>
-            <a:r>
-              <a:rPr lang="en-US" altLang="zh-CN"/>
-              <a:t>B</a:t>
-            </a:r>
-            <a:r>
-              <a:rPr lang="zh-CN" altLang="en-US"/>
-              <a:t>inary string </a:t>
-            </a:r>
-            <a:r>
-              <a:rPr lang="en-US" altLang="zh-CN"/>
-              <a:t>T</a:t>
-            </a:r>
-            <a:r>
-              <a:rPr lang="en-US" altLang="zh-CN"/>
-              <a:t>o </a:t>
-            </a:r>
-            <a:r>
-              <a:rPr lang="zh-CN" altLang="en-US"/>
-              <a:t>ASCII</a:t>
-            </a:r>
-            <a:endParaRPr lang="zh-CN" altLang="en-US"/>
-          </a:p>
-          <a:p>
-            <a:r>
-              <a:rPr lang="zh-CN" altLang="en-US"/>
-              <a:t>atob()： 解码：</a:t>
-            </a:r>
-            <a:r>
-              <a:rPr lang="zh-CN" altLang="en-US">
-                <a:sym typeface="+mn-ea"/>
-              </a:rPr>
-              <a:t>ASCII </a:t>
-            </a:r>
-            <a:r>
-              <a:rPr lang="en-US" altLang="zh-CN">
-                <a:sym typeface="+mn-ea"/>
-              </a:rPr>
-              <a:t>To B</a:t>
-            </a:r>
-            <a:r>
-              <a:rPr lang="zh-CN" altLang="en-US">
-                <a:sym typeface="+mn-ea"/>
-              </a:rPr>
-              <a:t>inary string</a:t>
-            </a:r>
-            <a:endParaRPr lang="zh-CN" altLang="en-US"/>
-          </a:p>
-        </p:txBody>
-      </p:sp>
+        </p:spPr>
+      </p:pic>
     </p:spTree>
   </p:cSld>
   <p:clrMapOvr>

--- a/二进制/二进制.pptx
+++ b/二进制/二进制.pptx
@@ -27,7 +27,8 @@
     <p:sldId id="274" r:id="rId22"/>
     <p:sldId id="276" r:id="rId23"/>
     <p:sldId id="277" r:id="rId24"/>
-    <p:sldId id="278" r:id="rId25"/>
+    <p:sldId id="300" r:id="rId25"/>
+    <p:sldId id="278" r:id="rId26"/>
   </p:sldIdLst>
   <p:sldSz cx="12192000" cy="6858000"/>
   <p:notesSz cx="6858000" cy="9144000"/>
@@ -3195,6 +3196,9 @@
               </a:rPr>
               <a:t>Blob</a:t>
             </a:r>
+            <a:endParaRPr>
+              <a:sym typeface="+mn-ea"/>
+            </a:endParaRPr>
           </a:p>
         </p:txBody>
       </p:sp>
@@ -4499,6 +4503,74 @@
             <p:ph type="title"/>
           </p:nvPr>
         </p:nvSpPr>
+        <p:spPr/>
+        <p:txBody>
+          <a:bodyPr/>
+          <a:p>
+            <a:r>
+              <a:rPr lang="zh-CN" altLang="en-US"/>
+              <a:t>常见</a:t>
+            </a:r>
+            <a:r>
+              <a:rPr lang="en-US" altLang="zh-CN"/>
+              <a:t>API</a:t>
+            </a:r>
+            <a:endParaRPr lang="en-US" altLang="zh-CN"/>
+          </a:p>
+        </p:txBody>
+      </p:sp>
+      <p:pic>
+        <p:nvPicPr>
+          <p:cNvPr id="4" name="图片 3"/>
+          <p:cNvPicPr>
+            <a:picLocks noChangeAspect="1"/>
+          </p:cNvPicPr>
+          <p:nvPr/>
+        </p:nvPicPr>
+        <p:blipFill>
+          <a:blip r:embed="rId1"/>
+          <a:stretch>
+            <a:fillRect/>
+          </a:stretch>
+        </p:blipFill>
+        <p:spPr>
+          <a:xfrm>
+            <a:off x="2571115" y="1535430"/>
+            <a:ext cx="7050405" cy="5029200"/>
+          </a:xfrm>
+          <a:prstGeom prst="rect">
+            <a:avLst/>
+          </a:prstGeom>
+        </p:spPr>
+      </p:pic>
+    </p:spTree>
+  </p:cSld>
+  <p:clrMapOvr>
+    <a:masterClrMapping/>
+  </p:clrMapOvr>
+</p:sld>
+</file>
+
+<file path=ppt/slides/slide24.xml><?xml version="1.0" encoding="utf-8"?>
+<p:sld xmlns:a="http://schemas.openxmlformats.org/drawingml/2006/main" xmlns:r="http://schemas.openxmlformats.org/officeDocument/2006/relationships" xmlns:p="http://schemas.openxmlformats.org/presentationml/2006/main">
+  <p:cSld>
+    <p:spTree>
+      <p:nvGrpSpPr>
+        <p:cNvPr id="1" name=""/>
+        <p:cNvGrpSpPr/>
+        <p:nvPr/>
+      </p:nvGrpSpPr>
+      <p:grpSpPr/>
+      <p:sp>
+        <p:nvSpPr>
+          <p:cNvPr id="2" name="标题 1"/>
+          <p:cNvSpPr>
+            <a:spLocks noGrp="1"/>
+          </p:cNvSpPr>
+          <p:nvPr>
+            <p:ph type="title"/>
+          </p:nvPr>
+        </p:nvSpPr>
         <p:spPr>
           <a:xfrm>
             <a:off x="838200" y="2959100"/>
@@ -4627,6 +4699,9 @@
               </a:rPr>
               <a:t>Base64</a:t>
             </a:r>
+            <a:endParaRPr>
+              <a:sym typeface="+mn-ea"/>
+            </a:endParaRPr>
           </a:p>
         </p:txBody>
       </p:sp>
@@ -4751,6 +4826,9 @@
               </a:rPr>
               <a:t>Base64</a:t>
             </a:r>
+            <a:endParaRPr>
+              <a:sym typeface="+mn-ea"/>
+            </a:endParaRPr>
           </a:p>
         </p:txBody>
       </p:sp>
@@ -5016,7 +5094,7 @@
             <a:r>
               <a:rPr lang="zh-CN" altLang="en-US">
                 <a:sym typeface="+mn-ea"/>
-                <a:hlinkClick r:id="rId2" tooltip="" action="ppaction://hlinkfile"/>
+                <a:hlinkClick r:id="rId2" action="ppaction://hlinkfile"/>
               </a:rPr>
               <a:t>为什么会有base64 以及base64的说明和使用</a:t>
             </a:r>
